--- a/Slide/Chap 4 - Sofware Testing.pptx
+++ b/Slide/Chap 4 - Sofware Testing.pptx
@@ -8727,10 +8727,10 @@
           <a:lstStyle/>
           <a:p>
             <a:r>
-              <a:rPr lang="en-US" smtClean="0"/>
+              <a:rPr lang="en-US" dirty="0" smtClean="0"/>
               <a:t>Chapter 4: Software Testing</a:t>
             </a:r>
-            <a:endParaRPr lang="en-US"/>
+            <a:endParaRPr lang="en-US" dirty="0"/>
           </a:p>
         </p:txBody>
       </p:sp>
@@ -9217,7 +9217,854 @@
   <p:timing>
     <p:tnLst>
       <p:par>
-        <p:cTn id="1" dur="indefinite" restart="never" nodeType="tmRoot"/>
+        <p:cTn id="1" dur="indefinite" restart="never" nodeType="tmRoot">
+          <p:childTnLst>
+            <p:seq concurrent="1" nextAc="seek">
+              <p:cTn id="2" dur="indefinite" nodeType="mainSeq">
+                <p:childTnLst>
+                  <p:par>
+                    <p:cTn id="3" fill="hold">
+                      <p:stCondLst>
+                        <p:cond delay="indefinite"/>
+                      </p:stCondLst>
+                      <p:childTnLst>
+                        <p:par>
+                          <p:cTn id="4" fill="hold">
+                            <p:stCondLst>
+                              <p:cond delay="0"/>
+                            </p:stCondLst>
+                            <p:childTnLst>
+                              <p:par>
+                                <p:cTn id="5" presetID="2" presetClass="entr" presetSubtype="4" fill="hold" nodeType="clickEffect">
+                                  <p:stCondLst>
+                                    <p:cond delay="0"/>
+                                  </p:stCondLst>
+                                  <p:childTnLst>
+                                    <p:set>
+                                      <p:cBhvr>
+                                        <p:cTn id="6" dur="1" fill="hold">
+                                          <p:stCondLst>
+                                            <p:cond delay="0"/>
+                                          </p:stCondLst>
+                                        </p:cTn>
+                                        <p:tgtEl>
+                                          <p:spTgt spid="3">
+                                            <p:txEl>
+                                              <p:pRg st="0" end="0"/>
+                                            </p:txEl>
+                                          </p:spTgt>
+                                        </p:tgtEl>
+                                        <p:attrNameLst>
+                                          <p:attrName>style.visibility</p:attrName>
+                                        </p:attrNameLst>
+                                      </p:cBhvr>
+                                      <p:to>
+                                        <p:strVal val="visible"/>
+                                      </p:to>
+                                    </p:set>
+                                    <p:anim calcmode="lin" valueType="num">
+                                      <p:cBhvr additive="base">
+                                        <p:cTn id="7" dur="500" fill="hold"/>
+                                        <p:tgtEl>
+                                          <p:spTgt spid="3">
+                                            <p:txEl>
+                                              <p:pRg st="0" end="0"/>
+                                            </p:txEl>
+                                          </p:spTgt>
+                                        </p:tgtEl>
+                                        <p:attrNameLst>
+                                          <p:attrName>ppt_x</p:attrName>
+                                        </p:attrNameLst>
+                                      </p:cBhvr>
+                                      <p:tavLst>
+                                        <p:tav tm="0">
+                                          <p:val>
+                                            <p:strVal val="#ppt_x"/>
+                                          </p:val>
+                                        </p:tav>
+                                        <p:tav tm="100000">
+                                          <p:val>
+                                            <p:strVal val="#ppt_x"/>
+                                          </p:val>
+                                        </p:tav>
+                                      </p:tavLst>
+                                    </p:anim>
+                                    <p:anim calcmode="lin" valueType="num">
+                                      <p:cBhvr additive="base">
+                                        <p:cTn id="8" dur="500" fill="hold"/>
+                                        <p:tgtEl>
+                                          <p:spTgt spid="3">
+                                            <p:txEl>
+                                              <p:pRg st="0" end="0"/>
+                                            </p:txEl>
+                                          </p:spTgt>
+                                        </p:tgtEl>
+                                        <p:attrNameLst>
+                                          <p:attrName>ppt_y</p:attrName>
+                                        </p:attrNameLst>
+                                      </p:cBhvr>
+                                      <p:tavLst>
+                                        <p:tav tm="0">
+                                          <p:val>
+                                            <p:strVal val="1+#ppt_h/2"/>
+                                          </p:val>
+                                        </p:tav>
+                                        <p:tav tm="100000">
+                                          <p:val>
+                                            <p:strVal val="#ppt_y"/>
+                                          </p:val>
+                                        </p:tav>
+                                      </p:tavLst>
+                                    </p:anim>
+                                  </p:childTnLst>
+                                </p:cTn>
+                              </p:par>
+                            </p:childTnLst>
+                          </p:cTn>
+                        </p:par>
+                      </p:childTnLst>
+                    </p:cTn>
+                  </p:par>
+                  <p:par>
+                    <p:cTn id="9" fill="hold">
+                      <p:stCondLst>
+                        <p:cond delay="indefinite"/>
+                      </p:stCondLst>
+                      <p:childTnLst>
+                        <p:par>
+                          <p:cTn id="10" fill="hold">
+                            <p:stCondLst>
+                              <p:cond delay="0"/>
+                            </p:stCondLst>
+                            <p:childTnLst>
+                              <p:par>
+                                <p:cTn id="11" presetID="2" presetClass="entr" presetSubtype="4" fill="hold" nodeType="clickEffect">
+                                  <p:stCondLst>
+                                    <p:cond delay="0"/>
+                                  </p:stCondLst>
+                                  <p:childTnLst>
+                                    <p:set>
+                                      <p:cBhvr>
+                                        <p:cTn id="12" dur="1" fill="hold">
+                                          <p:stCondLst>
+                                            <p:cond delay="0"/>
+                                          </p:stCondLst>
+                                        </p:cTn>
+                                        <p:tgtEl>
+                                          <p:spTgt spid="3">
+                                            <p:txEl>
+                                              <p:pRg st="1" end="1"/>
+                                            </p:txEl>
+                                          </p:spTgt>
+                                        </p:tgtEl>
+                                        <p:attrNameLst>
+                                          <p:attrName>style.visibility</p:attrName>
+                                        </p:attrNameLst>
+                                      </p:cBhvr>
+                                      <p:to>
+                                        <p:strVal val="visible"/>
+                                      </p:to>
+                                    </p:set>
+                                    <p:anim calcmode="lin" valueType="num">
+                                      <p:cBhvr additive="base">
+                                        <p:cTn id="13" dur="500" fill="hold"/>
+                                        <p:tgtEl>
+                                          <p:spTgt spid="3">
+                                            <p:txEl>
+                                              <p:pRg st="1" end="1"/>
+                                            </p:txEl>
+                                          </p:spTgt>
+                                        </p:tgtEl>
+                                        <p:attrNameLst>
+                                          <p:attrName>ppt_x</p:attrName>
+                                        </p:attrNameLst>
+                                      </p:cBhvr>
+                                      <p:tavLst>
+                                        <p:tav tm="0">
+                                          <p:val>
+                                            <p:strVal val="#ppt_x"/>
+                                          </p:val>
+                                        </p:tav>
+                                        <p:tav tm="100000">
+                                          <p:val>
+                                            <p:strVal val="#ppt_x"/>
+                                          </p:val>
+                                        </p:tav>
+                                      </p:tavLst>
+                                    </p:anim>
+                                    <p:anim calcmode="lin" valueType="num">
+                                      <p:cBhvr additive="base">
+                                        <p:cTn id="14" dur="500" fill="hold"/>
+                                        <p:tgtEl>
+                                          <p:spTgt spid="3">
+                                            <p:txEl>
+                                              <p:pRg st="1" end="1"/>
+                                            </p:txEl>
+                                          </p:spTgt>
+                                        </p:tgtEl>
+                                        <p:attrNameLst>
+                                          <p:attrName>ppt_y</p:attrName>
+                                        </p:attrNameLst>
+                                      </p:cBhvr>
+                                      <p:tavLst>
+                                        <p:tav tm="0">
+                                          <p:val>
+                                            <p:strVal val="1+#ppt_h/2"/>
+                                          </p:val>
+                                        </p:tav>
+                                        <p:tav tm="100000">
+                                          <p:val>
+                                            <p:strVal val="#ppt_y"/>
+                                          </p:val>
+                                        </p:tav>
+                                      </p:tavLst>
+                                    </p:anim>
+                                  </p:childTnLst>
+                                </p:cTn>
+                              </p:par>
+                            </p:childTnLst>
+                          </p:cTn>
+                        </p:par>
+                      </p:childTnLst>
+                    </p:cTn>
+                  </p:par>
+                  <p:par>
+                    <p:cTn id="15" fill="hold">
+                      <p:stCondLst>
+                        <p:cond delay="indefinite"/>
+                      </p:stCondLst>
+                      <p:childTnLst>
+                        <p:par>
+                          <p:cTn id="16" fill="hold">
+                            <p:stCondLst>
+                              <p:cond delay="0"/>
+                            </p:stCondLst>
+                            <p:childTnLst>
+                              <p:par>
+                                <p:cTn id="17" presetID="2" presetClass="entr" presetSubtype="4" fill="hold" nodeType="clickEffect">
+                                  <p:stCondLst>
+                                    <p:cond delay="0"/>
+                                  </p:stCondLst>
+                                  <p:childTnLst>
+                                    <p:set>
+                                      <p:cBhvr>
+                                        <p:cTn id="18" dur="1" fill="hold">
+                                          <p:stCondLst>
+                                            <p:cond delay="0"/>
+                                          </p:stCondLst>
+                                        </p:cTn>
+                                        <p:tgtEl>
+                                          <p:spTgt spid="3">
+                                            <p:txEl>
+                                              <p:pRg st="2" end="2"/>
+                                            </p:txEl>
+                                          </p:spTgt>
+                                        </p:tgtEl>
+                                        <p:attrNameLst>
+                                          <p:attrName>style.visibility</p:attrName>
+                                        </p:attrNameLst>
+                                      </p:cBhvr>
+                                      <p:to>
+                                        <p:strVal val="visible"/>
+                                      </p:to>
+                                    </p:set>
+                                    <p:anim calcmode="lin" valueType="num">
+                                      <p:cBhvr additive="base">
+                                        <p:cTn id="19" dur="500" fill="hold"/>
+                                        <p:tgtEl>
+                                          <p:spTgt spid="3">
+                                            <p:txEl>
+                                              <p:pRg st="2" end="2"/>
+                                            </p:txEl>
+                                          </p:spTgt>
+                                        </p:tgtEl>
+                                        <p:attrNameLst>
+                                          <p:attrName>ppt_x</p:attrName>
+                                        </p:attrNameLst>
+                                      </p:cBhvr>
+                                      <p:tavLst>
+                                        <p:tav tm="0">
+                                          <p:val>
+                                            <p:strVal val="#ppt_x"/>
+                                          </p:val>
+                                        </p:tav>
+                                        <p:tav tm="100000">
+                                          <p:val>
+                                            <p:strVal val="#ppt_x"/>
+                                          </p:val>
+                                        </p:tav>
+                                      </p:tavLst>
+                                    </p:anim>
+                                    <p:anim calcmode="lin" valueType="num">
+                                      <p:cBhvr additive="base">
+                                        <p:cTn id="20" dur="500" fill="hold"/>
+                                        <p:tgtEl>
+                                          <p:spTgt spid="3">
+                                            <p:txEl>
+                                              <p:pRg st="2" end="2"/>
+                                            </p:txEl>
+                                          </p:spTgt>
+                                        </p:tgtEl>
+                                        <p:attrNameLst>
+                                          <p:attrName>ppt_y</p:attrName>
+                                        </p:attrNameLst>
+                                      </p:cBhvr>
+                                      <p:tavLst>
+                                        <p:tav tm="0">
+                                          <p:val>
+                                            <p:strVal val="1+#ppt_h/2"/>
+                                          </p:val>
+                                        </p:tav>
+                                        <p:tav tm="100000">
+                                          <p:val>
+                                            <p:strVal val="#ppt_y"/>
+                                          </p:val>
+                                        </p:tav>
+                                      </p:tavLst>
+                                    </p:anim>
+                                  </p:childTnLst>
+                                </p:cTn>
+                              </p:par>
+                            </p:childTnLst>
+                          </p:cTn>
+                        </p:par>
+                      </p:childTnLst>
+                    </p:cTn>
+                  </p:par>
+                  <p:par>
+                    <p:cTn id="21" fill="hold">
+                      <p:stCondLst>
+                        <p:cond delay="indefinite"/>
+                      </p:stCondLst>
+                      <p:childTnLst>
+                        <p:par>
+                          <p:cTn id="22" fill="hold">
+                            <p:stCondLst>
+                              <p:cond delay="0"/>
+                            </p:stCondLst>
+                            <p:childTnLst>
+                              <p:par>
+                                <p:cTn id="23" presetID="2" presetClass="entr" presetSubtype="4" fill="hold" nodeType="clickEffect">
+                                  <p:stCondLst>
+                                    <p:cond delay="0"/>
+                                  </p:stCondLst>
+                                  <p:childTnLst>
+                                    <p:set>
+                                      <p:cBhvr>
+                                        <p:cTn id="24" dur="1" fill="hold">
+                                          <p:stCondLst>
+                                            <p:cond delay="0"/>
+                                          </p:stCondLst>
+                                        </p:cTn>
+                                        <p:tgtEl>
+                                          <p:spTgt spid="3">
+                                            <p:txEl>
+                                              <p:pRg st="3" end="3"/>
+                                            </p:txEl>
+                                          </p:spTgt>
+                                        </p:tgtEl>
+                                        <p:attrNameLst>
+                                          <p:attrName>style.visibility</p:attrName>
+                                        </p:attrNameLst>
+                                      </p:cBhvr>
+                                      <p:to>
+                                        <p:strVal val="visible"/>
+                                      </p:to>
+                                    </p:set>
+                                    <p:anim calcmode="lin" valueType="num">
+                                      <p:cBhvr additive="base">
+                                        <p:cTn id="25" dur="500" fill="hold"/>
+                                        <p:tgtEl>
+                                          <p:spTgt spid="3">
+                                            <p:txEl>
+                                              <p:pRg st="3" end="3"/>
+                                            </p:txEl>
+                                          </p:spTgt>
+                                        </p:tgtEl>
+                                        <p:attrNameLst>
+                                          <p:attrName>ppt_x</p:attrName>
+                                        </p:attrNameLst>
+                                      </p:cBhvr>
+                                      <p:tavLst>
+                                        <p:tav tm="0">
+                                          <p:val>
+                                            <p:strVal val="#ppt_x"/>
+                                          </p:val>
+                                        </p:tav>
+                                        <p:tav tm="100000">
+                                          <p:val>
+                                            <p:strVal val="#ppt_x"/>
+                                          </p:val>
+                                        </p:tav>
+                                      </p:tavLst>
+                                    </p:anim>
+                                    <p:anim calcmode="lin" valueType="num">
+                                      <p:cBhvr additive="base">
+                                        <p:cTn id="26" dur="500" fill="hold"/>
+                                        <p:tgtEl>
+                                          <p:spTgt spid="3">
+                                            <p:txEl>
+                                              <p:pRg st="3" end="3"/>
+                                            </p:txEl>
+                                          </p:spTgt>
+                                        </p:tgtEl>
+                                        <p:attrNameLst>
+                                          <p:attrName>ppt_y</p:attrName>
+                                        </p:attrNameLst>
+                                      </p:cBhvr>
+                                      <p:tavLst>
+                                        <p:tav tm="0">
+                                          <p:val>
+                                            <p:strVal val="1+#ppt_h/2"/>
+                                          </p:val>
+                                        </p:tav>
+                                        <p:tav tm="100000">
+                                          <p:val>
+                                            <p:strVal val="#ppt_y"/>
+                                          </p:val>
+                                        </p:tav>
+                                      </p:tavLst>
+                                    </p:anim>
+                                  </p:childTnLst>
+                                </p:cTn>
+                              </p:par>
+                            </p:childTnLst>
+                          </p:cTn>
+                        </p:par>
+                      </p:childTnLst>
+                    </p:cTn>
+                  </p:par>
+                  <p:par>
+                    <p:cTn id="27" fill="hold">
+                      <p:stCondLst>
+                        <p:cond delay="indefinite"/>
+                      </p:stCondLst>
+                      <p:childTnLst>
+                        <p:par>
+                          <p:cTn id="28" fill="hold">
+                            <p:stCondLst>
+                              <p:cond delay="0"/>
+                            </p:stCondLst>
+                            <p:childTnLst>
+                              <p:par>
+                                <p:cTn id="29" presetID="2" presetClass="entr" presetSubtype="4" fill="hold" nodeType="clickEffect">
+                                  <p:stCondLst>
+                                    <p:cond delay="0"/>
+                                  </p:stCondLst>
+                                  <p:childTnLst>
+                                    <p:set>
+                                      <p:cBhvr>
+                                        <p:cTn id="30" dur="1" fill="hold">
+                                          <p:stCondLst>
+                                            <p:cond delay="0"/>
+                                          </p:stCondLst>
+                                        </p:cTn>
+                                        <p:tgtEl>
+                                          <p:spTgt spid="3">
+                                            <p:txEl>
+                                              <p:pRg st="4" end="4"/>
+                                            </p:txEl>
+                                          </p:spTgt>
+                                        </p:tgtEl>
+                                        <p:attrNameLst>
+                                          <p:attrName>style.visibility</p:attrName>
+                                        </p:attrNameLst>
+                                      </p:cBhvr>
+                                      <p:to>
+                                        <p:strVal val="visible"/>
+                                      </p:to>
+                                    </p:set>
+                                    <p:anim calcmode="lin" valueType="num">
+                                      <p:cBhvr additive="base">
+                                        <p:cTn id="31" dur="500" fill="hold"/>
+                                        <p:tgtEl>
+                                          <p:spTgt spid="3">
+                                            <p:txEl>
+                                              <p:pRg st="4" end="4"/>
+                                            </p:txEl>
+                                          </p:spTgt>
+                                        </p:tgtEl>
+                                        <p:attrNameLst>
+                                          <p:attrName>ppt_x</p:attrName>
+                                        </p:attrNameLst>
+                                      </p:cBhvr>
+                                      <p:tavLst>
+                                        <p:tav tm="0">
+                                          <p:val>
+                                            <p:strVal val="#ppt_x"/>
+                                          </p:val>
+                                        </p:tav>
+                                        <p:tav tm="100000">
+                                          <p:val>
+                                            <p:strVal val="#ppt_x"/>
+                                          </p:val>
+                                        </p:tav>
+                                      </p:tavLst>
+                                    </p:anim>
+                                    <p:anim calcmode="lin" valueType="num">
+                                      <p:cBhvr additive="base">
+                                        <p:cTn id="32" dur="500" fill="hold"/>
+                                        <p:tgtEl>
+                                          <p:spTgt spid="3">
+                                            <p:txEl>
+                                              <p:pRg st="4" end="4"/>
+                                            </p:txEl>
+                                          </p:spTgt>
+                                        </p:tgtEl>
+                                        <p:attrNameLst>
+                                          <p:attrName>ppt_y</p:attrName>
+                                        </p:attrNameLst>
+                                      </p:cBhvr>
+                                      <p:tavLst>
+                                        <p:tav tm="0">
+                                          <p:val>
+                                            <p:strVal val="1+#ppt_h/2"/>
+                                          </p:val>
+                                        </p:tav>
+                                        <p:tav tm="100000">
+                                          <p:val>
+                                            <p:strVal val="#ppt_y"/>
+                                          </p:val>
+                                        </p:tav>
+                                      </p:tavLst>
+                                    </p:anim>
+                                  </p:childTnLst>
+                                </p:cTn>
+                              </p:par>
+                            </p:childTnLst>
+                          </p:cTn>
+                        </p:par>
+                      </p:childTnLst>
+                    </p:cTn>
+                  </p:par>
+                  <p:par>
+                    <p:cTn id="33" fill="hold">
+                      <p:stCondLst>
+                        <p:cond delay="indefinite"/>
+                      </p:stCondLst>
+                      <p:childTnLst>
+                        <p:par>
+                          <p:cTn id="34" fill="hold">
+                            <p:stCondLst>
+                              <p:cond delay="0"/>
+                            </p:stCondLst>
+                            <p:childTnLst>
+                              <p:par>
+                                <p:cTn id="35" presetID="2" presetClass="entr" presetSubtype="4" fill="hold" nodeType="clickEffect">
+                                  <p:stCondLst>
+                                    <p:cond delay="0"/>
+                                  </p:stCondLst>
+                                  <p:childTnLst>
+                                    <p:set>
+                                      <p:cBhvr>
+                                        <p:cTn id="36" dur="1" fill="hold">
+                                          <p:stCondLst>
+                                            <p:cond delay="0"/>
+                                          </p:stCondLst>
+                                        </p:cTn>
+                                        <p:tgtEl>
+                                          <p:spTgt spid="3">
+                                            <p:txEl>
+                                              <p:pRg st="5" end="5"/>
+                                            </p:txEl>
+                                          </p:spTgt>
+                                        </p:tgtEl>
+                                        <p:attrNameLst>
+                                          <p:attrName>style.visibility</p:attrName>
+                                        </p:attrNameLst>
+                                      </p:cBhvr>
+                                      <p:to>
+                                        <p:strVal val="visible"/>
+                                      </p:to>
+                                    </p:set>
+                                    <p:anim calcmode="lin" valueType="num">
+                                      <p:cBhvr additive="base">
+                                        <p:cTn id="37" dur="500" fill="hold"/>
+                                        <p:tgtEl>
+                                          <p:spTgt spid="3">
+                                            <p:txEl>
+                                              <p:pRg st="5" end="5"/>
+                                            </p:txEl>
+                                          </p:spTgt>
+                                        </p:tgtEl>
+                                        <p:attrNameLst>
+                                          <p:attrName>ppt_x</p:attrName>
+                                        </p:attrNameLst>
+                                      </p:cBhvr>
+                                      <p:tavLst>
+                                        <p:tav tm="0">
+                                          <p:val>
+                                            <p:strVal val="#ppt_x"/>
+                                          </p:val>
+                                        </p:tav>
+                                        <p:tav tm="100000">
+                                          <p:val>
+                                            <p:strVal val="#ppt_x"/>
+                                          </p:val>
+                                        </p:tav>
+                                      </p:tavLst>
+                                    </p:anim>
+                                    <p:anim calcmode="lin" valueType="num">
+                                      <p:cBhvr additive="base">
+                                        <p:cTn id="38" dur="500" fill="hold"/>
+                                        <p:tgtEl>
+                                          <p:spTgt spid="3">
+                                            <p:txEl>
+                                              <p:pRg st="5" end="5"/>
+                                            </p:txEl>
+                                          </p:spTgt>
+                                        </p:tgtEl>
+                                        <p:attrNameLst>
+                                          <p:attrName>ppt_y</p:attrName>
+                                        </p:attrNameLst>
+                                      </p:cBhvr>
+                                      <p:tavLst>
+                                        <p:tav tm="0">
+                                          <p:val>
+                                            <p:strVal val="1+#ppt_h/2"/>
+                                          </p:val>
+                                        </p:tav>
+                                        <p:tav tm="100000">
+                                          <p:val>
+                                            <p:strVal val="#ppt_y"/>
+                                          </p:val>
+                                        </p:tav>
+                                      </p:tavLst>
+                                    </p:anim>
+                                  </p:childTnLst>
+                                </p:cTn>
+                              </p:par>
+                            </p:childTnLst>
+                          </p:cTn>
+                        </p:par>
+                      </p:childTnLst>
+                    </p:cTn>
+                  </p:par>
+                  <p:par>
+                    <p:cTn id="39" fill="hold">
+                      <p:stCondLst>
+                        <p:cond delay="indefinite"/>
+                      </p:stCondLst>
+                      <p:childTnLst>
+                        <p:par>
+                          <p:cTn id="40" fill="hold">
+                            <p:stCondLst>
+                              <p:cond delay="0"/>
+                            </p:stCondLst>
+                            <p:childTnLst>
+                              <p:par>
+                                <p:cTn id="41" presetID="2" presetClass="entr" presetSubtype="4" fill="hold" nodeType="clickEffect">
+                                  <p:stCondLst>
+                                    <p:cond delay="0"/>
+                                  </p:stCondLst>
+                                  <p:childTnLst>
+                                    <p:set>
+                                      <p:cBhvr>
+                                        <p:cTn id="42" dur="1" fill="hold">
+                                          <p:stCondLst>
+                                            <p:cond delay="0"/>
+                                          </p:stCondLst>
+                                        </p:cTn>
+                                        <p:tgtEl>
+                                          <p:spTgt spid="3">
+                                            <p:txEl>
+                                              <p:pRg st="6" end="6"/>
+                                            </p:txEl>
+                                          </p:spTgt>
+                                        </p:tgtEl>
+                                        <p:attrNameLst>
+                                          <p:attrName>style.visibility</p:attrName>
+                                        </p:attrNameLst>
+                                      </p:cBhvr>
+                                      <p:to>
+                                        <p:strVal val="visible"/>
+                                      </p:to>
+                                    </p:set>
+                                    <p:anim calcmode="lin" valueType="num">
+                                      <p:cBhvr additive="base">
+                                        <p:cTn id="43" dur="500" fill="hold"/>
+                                        <p:tgtEl>
+                                          <p:spTgt spid="3">
+                                            <p:txEl>
+                                              <p:pRg st="6" end="6"/>
+                                            </p:txEl>
+                                          </p:spTgt>
+                                        </p:tgtEl>
+                                        <p:attrNameLst>
+                                          <p:attrName>ppt_x</p:attrName>
+                                        </p:attrNameLst>
+                                      </p:cBhvr>
+                                      <p:tavLst>
+                                        <p:tav tm="0">
+                                          <p:val>
+                                            <p:strVal val="#ppt_x"/>
+                                          </p:val>
+                                        </p:tav>
+                                        <p:tav tm="100000">
+                                          <p:val>
+                                            <p:strVal val="#ppt_x"/>
+                                          </p:val>
+                                        </p:tav>
+                                      </p:tavLst>
+                                    </p:anim>
+                                    <p:anim calcmode="lin" valueType="num">
+                                      <p:cBhvr additive="base">
+                                        <p:cTn id="44" dur="500" fill="hold"/>
+                                        <p:tgtEl>
+                                          <p:spTgt spid="3">
+                                            <p:txEl>
+                                              <p:pRg st="6" end="6"/>
+                                            </p:txEl>
+                                          </p:spTgt>
+                                        </p:tgtEl>
+                                        <p:attrNameLst>
+                                          <p:attrName>ppt_y</p:attrName>
+                                        </p:attrNameLst>
+                                      </p:cBhvr>
+                                      <p:tavLst>
+                                        <p:tav tm="0">
+                                          <p:val>
+                                            <p:strVal val="1+#ppt_h/2"/>
+                                          </p:val>
+                                        </p:tav>
+                                        <p:tav tm="100000">
+                                          <p:val>
+                                            <p:strVal val="#ppt_y"/>
+                                          </p:val>
+                                        </p:tav>
+                                      </p:tavLst>
+                                    </p:anim>
+                                  </p:childTnLst>
+                                </p:cTn>
+                              </p:par>
+                            </p:childTnLst>
+                          </p:cTn>
+                        </p:par>
+                      </p:childTnLst>
+                    </p:cTn>
+                  </p:par>
+                  <p:par>
+                    <p:cTn id="45" fill="hold">
+                      <p:stCondLst>
+                        <p:cond delay="indefinite"/>
+                      </p:stCondLst>
+                      <p:childTnLst>
+                        <p:par>
+                          <p:cTn id="46" fill="hold">
+                            <p:stCondLst>
+                              <p:cond delay="0"/>
+                            </p:stCondLst>
+                            <p:childTnLst>
+                              <p:par>
+                                <p:cTn id="47" presetID="2" presetClass="entr" presetSubtype="4" fill="hold" nodeType="clickEffect">
+                                  <p:stCondLst>
+                                    <p:cond delay="0"/>
+                                  </p:stCondLst>
+                                  <p:childTnLst>
+                                    <p:set>
+                                      <p:cBhvr>
+                                        <p:cTn id="48" dur="1" fill="hold">
+                                          <p:stCondLst>
+                                            <p:cond delay="0"/>
+                                          </p:stCondLst>
+                                        </p:cTn>
+                                        <p:tgtEl>
+                                          <p:spTgt spid="3">
+                                            <p:txEl>
+                                              <p:pRg st="7" end="7"/>
+                                            </p:txEl>
+                                          </p:spTgt>
+                                        </p:tgtEl>
+                                        <p:attrNameLst>
+                                          <p:attrName>style.visibility</p:attrName>
+                                        </p:attrNameLst>
+                                      </p:cBhvr>
+                                      <p:to>
+                                        <p:strVal val="visible"/>
+                                      </p:to>
+                                    </p:set>
+                                    <p:anim calcmode="lin" valueType="num">
+                                      <p:cBhvr additive="base">
+                                        <p:cTn id="49" dur="500" fill="hold"/>
+                                        <p:tgtEl>
+                                          <p:spTgt spid="3">
+                                            <p:txEl>
+                                              <p:pRg st="7" end="7"/>
+                                            </p:txEl>
+                                          </p:spTgt>
+                                        </p:tgtEl>
+                                        <p:attrNameLst>
+                                          <p:attrName>ppt_x</p:attrName>
+                                        </p:attrNameLst>
+                                      </p:cBhvr>
+                                      <p:tavLst>
+                                        <p:tav tm="0">
+                                          <p:val>
+                                            <p:strVal val="#ppt_x"/>
+                                          </p:val>
+                                        </p:tav>
+                                        <p:tav tm="100000">
+                                          <p:val>
+                                            <p:strVal val="#ppt_x"/>
+                                          </p:val>
+                                        </p:tav>
+                                      </p:tavLst>
+                                    </p:anim>
+                                    <p:anim calcmode="lin" valueType="num">
+                                      <p:cBhvr additive="base">
+                                        <p:cTn id="50" dur="500" fill="hold"/>
+                                        <p:tgtEl>
+                                          <p:spTgt spid="3">
+                                            <p:txEl>
+                                              <p:pRg st="7" end="7"/>
+                                            </p:txEl>
+                                          </p:spTgt>
+                                        </p:tgtEl>
+                                        <p:attrNameLst>
+                                          <p:attrName>ppt_y</p:attrName>
+                                        </p:attrNameLst>
+                                      </p:cBhvr>
+                                      <p:tavLst>
+                                        <p:tav tm="0">
+                                          <p:val>
+                                            <p:strVal val="1+#ppt_h/2"/>
+                                          </p:val>
+                                        </p:tav>
+                                        <p:tav tm="100000">
+                                          <p:val>
+                                            <p:strVal val="#ppt_y"/>
+                                          </p:val>
+                                        </p:tav>
+                                      </p:tavLst>
+                                    </p:anim>
+                                  </p:childTnLst>
+                                </p:cTn>
+                              </p:par>
+                            </p:childTnLst>
+                          </p:cTn>
+                        </p:par>
+                      </p:childTnLst>
+                    </p:cTn>
+                  </p:par>
+                </p:childTnLst>
+              </p:cTn>
+              <p:prevCondLst>
+                <p:cond evt="onPrev" delay="0">
+                  <p:tgtEl>
+                    <p:sldTgt/>
+                  </p:tgtEl>
+                </p:cond>
+              </p:prevCondLst>
+              <p:nextCondLst>
+                <p:cond evt="onNext" delay="0">
+                  <p:tgtEl>
+                    <p:sldTgt/>
+                  </p:tgtEl>
+                </p:cond>
+              </p:nextCondLst>
+            </p:seq>
+          </p:childTnLst>
+        </p:cTn>
       </p:par>
     </p:tnLst>
   </p:timing>
@@ -9494,7 +10341,236 @@
   <p:timing>
     <p:tnLst>
       <p:par>
-        <p:cTn id="1" dur="indefinite" restart="never" nodeType="tmRoot"/>
+        <p:cTn id="1" dur="indefinite" restart="never" nodeType="tmRoot">
+          <p:childTnLst>
+            <p:seq concurrent="1" nextAc="seek">
+              <p:cTn id="2" dur="indefinite" nodeType="mainSeq">
+                <p:childTnLst>
+                  <p:par>
+                    <p:cTn id="3" fill="hold">
+                      <p:stCondLst>
+                        <p:cond delay="indefinite"/>
+                      </p:stCondLst>
+                      <p:childTnLst>
+                        <p:par>
+                          <p:cTn id="4" fill="hold">
+                            <p:stCondLst>
+                              <p:cond delay="0"/>
+                            </p:stCondLst>
+                            <p:childTnLst>
+                              <p:par>
+                                <p:cTn id="5" presetID="2" presetClass="entr" presetSubtype="4" fill="hold" nodeType="clickEffect">
+                                  <p:stCondLst>
+                                    <p:cond delay="0"/>
+                                  </p:stCondLst>
+                                  <p:childTnLst>
+                                    <p:set>
+                                      <p:cBhvr>
+                                        <p:cTn id="6" dur="1" fill="hold">
+                                          <p:stCondLst>
+                                            <p:cond delay="0"/>
+                                          </p:stCondLst>
+                                        </p:cTn>
+                                        <p:tgtEl>
+                                          <p:spTgt spid="3">
+                                            <p:txEl>
+                                              <p:pRg st="0" end="0"/>
+                                            </p:txEl>
+                                          </p:spTgt>
+                                        </p:tgtEl>
+                                        <p:attrNameLst>
+                                          <p:attrName>style.visibility</p:attrName>
+                                        </p:attrNameLst>
+                                      </p:cBhvr>
+                                      <p:to>
+                                        <p:strVal val="visible"/>
+                                      </p:to>
+                                    </p:set>
+                                    <p:anim calcmode="lin" valueType="num">
+                                      <p:cBhvr additive="base">
+                                        <p:cTn id="7" dur="500" fill="hold"/>
+                                        <p:tgtEl>
+                                          <p:spTgt spid="3">
+                                            <p:txEl>
+                                              <p:pRg st="0" end="0"/>
+                                            </p:txEl>
+                                          </p:spTgt>
+                                        </p:tgtEl>
+                                        <p:attrNameLst>
+                                          <p:attrName>ppt_x</p:attrName>
+                                        </p:attrNameLst>
+                                      </p:cBhvr>
+                                      <p:tavLst>
+                                        <p:tav tm="0">
+                                          <p:val>
+                                            <p:strVal val="#ppt_x"/>
+                                          </p:val>
+                                        </p:tav>
+                                        <p:tav tm="100000">
+                                          <p:val>
+                                            <p:strVal val="#ppt_x"/>
+                                          </p:val>
+                                        </p:tav>
+                                      </p:tavLst>
+                                    </p:anim>
+                                    <p:anim calcmode="lin" valueType="num">
+                                      <p:cBhvr additive="base">
+                                        <p:cTn id="8" dur="500" fill="hold"/>
+                                        <p:tgtEl>
+                                          <p:spTgt spid="3">
+                                            <p:txEl>
+                                              <p:pRg st="0" end="0"/>
+                                            </p:txEl>
+                                          </p:spTgt>
+                                        </p:tgtEl>
+                                        <p:attrNameLst>
+                                          <p:attrName>ppt_y</p:attrName>
+                                        </p:attrNameLst>
+                                      </p:cBhvr>
+                                      <p:tavLst>
+                                        <p:tav tm="0">
+                                          <p:val>
+                                            <p:strVal val="1+#ppt_h/2"/>
+                                          </p:val>
+                                        </p:tav>
+                                        <p:tav tm="100000">
+                                          <p:val>
+                                            <p:strVal val="#ppt_y"/>
+                                          </p:val>
+                                        </p:tav>
+                                      </p:tavLst>
+                                    </p:anim>
+                                  </p:childTnLst>
+                                </p:cTn>
+                              </p:par>
+                            </p:childTnLst>
+                          </p:cTn>
+                        </p:par>
+                      </p:childTnLst>
+                    </p:cTn>
+                  </p:par>
+                  <p:par>
+                    <p:cTn id="9" fill="hold">
+                      <p:stCondLst>
+                        <p:cond delay="indefinite"/>
+                      </p:stCondLst>
+                      <p:childTnLst>
+                        <p:par>
+                          <p:cTn id="10" fill="hold">
+                            <p:stCondLst>
+                              <p:cond delay="0"/>
+                            </p:stCondLst>
+                            <p:childTnLst>
+                              <p:par>
+                                <p:cTn id="11" presetID="2" presetClass="entr" presetSubtype="4" fill="hold" nodeType="clickEffect">
+                                  <p:stCondLst>
+                                    <p:cond delay="0"/>
+                                  </p:stCondLst>
+                                  <p:childTnLst>
+                                    <p:set>
+                                      <p:cBhvr>
+                                        <p:cTn id="12" dur="1" fill="hold">
+                                          <p:stCondLst>
+                                            <p:cond delay="0"/>
+                                          </p:stCondLst>
+                                        </p:cTn>
+                                        <p:tgtEl>
+                                          <p:spTgt spid="3">
+                                            <p:txEl>
+                                              <p:pRg st="1" end="1"/>
+                                            </p:txEl>
+                                          </p:spTgt>
+                                        </p:tgtEl>
+                                        <p:attrNameLst>
+                                          <p:attrName>style.visibility</p:attrName>
+                                        </p:attrNameLst>
+                                      </p:cBhvr>
+                                      <p:to>
+                                        <p:strVal val="visible"/>
+                                      </p:to>
+                                    </p:set>
+                                    <p:anim calcmode="lin" valueType="num">
+                                      <p:cBhvr additive="base">
+                                        <p:cTn id="13" dur="500" fill="hold"/>
+                                        <p:tgtEl>
+                                          <p:spTgt spid="3">
+                                            <p:txEl>
+                                              <p:pRg st="1" end="1"/>
+                                            </p:txEl>
+                                          </p:spTgt>
+                                        </p:tgtEl>
+                                        <p:attrNameLst>
+                                          <p:attrName>ppt_x</p:attrName>
+                                        </p:attrNameLst>
+                                      </p:cBhvr>
+                                      <p:tavLst>
+                                        <p:tav tm="0">
+                                          <p:val>
+                                            <p:strVal val="#ppt_x"/>
+                                          </p:val>
+                                        </p:tav>
+                                        <p:tav tm="100000">
+                                          <p:val>
+                                            <p:strVal val="#ppt_x"/>
+                                          </p:val>
+                                        </p:tav>
+                                      </p:tavLst>
+                                    </p:anim>
+                                    <p:anim calcmode="lin" valueType="num">
+                                      <p:cBhvr additive="base">
+                                        <p:cTn id="14" dur="500" fill="hold"/>
+                                        <p:tgtEl>
+                                          <p:spTgt spid="3">
+                                            <p:txEl>
+                                              <p:pRg st="1" end="1"/>
+                                            </p:txEl>
+                                          </p:spTgt>
+                                        </p:tgtEl>
+                                        <p:attrNameLst>
+                                          <p:attrName>ppt_y</p:attrName>
+                                        </p:attrNameLst>
+                                      </p:cBhvr>
+                                      <p:tavLst>
+                                        <p:tav tm="0">
+                                          <p:val>
+                                            <p:strVal val="1+#ppt_h/2"/>
+                                          </p:val>
+                                        </p:tav>
+                                        <p:tav tm="100000">
+                                          <p:val>
+                                            <p:strVal val="#ppt_y"/>
+                                          </p:val>
+                                        </p:tav>
+                                      </p:tavLst>
+                                    </p:anim>
+                                  </p:childTnLst>
+                                </p:cTn>
+                              </p:par>
+                            </p:childTnLst>
+                          </p:cTn>
+                        </p:par>
+                      </p:childTnLst>
+                    </p:cTn>
+                  </p:par>
+                </p:childTnLst>
+              </p:cTn>
+              <p:prevCondLst>
+                <p:cond evt="onPrev" delay="0">
+                  <p:tgtEl>
+                    <p:sldTgt/>
+                  </p:tgtEl>
+                </p:cond>
+              </p:prevCondLst>
+              <p:nextCondLst>
+                <p:cond evt="onNext" delay="0">
+                  <p:tgtEl>
+                    <p:sldTgt/>
+                  </p:tgtEl>
+                </p:cond>
+              </p:nextCondLst>
+            </p:seq>
+          </p:childTnLst>
+        </p:cTn>
       </p:par>
     </p:tnLst>
   </p:timing>
@@ -12913,6 +13989,13 @@
   <p:clrMapOvr>
     <a:masterClrMapping/>
   </p:clrMapOvr>
+  <p:timing>
+    <p:tnLst>
+      <p:par>
+        <p:cTn id="1" dur="indefinite" restart="never" nodeType="tmRoot"/>
+      </p:par>
+    </p:tnLst>
+  </p:timing>
 </p:sld>
 </file>
 
@@ -16633,7 +17716,11 @@
           <a:bodyPr/>
           <a:lstStyle/>
           <a:p>
-            <a:endParaRPr lang="en-US"/>
+            <a:r>
+              <a:rPr lang="en-US" dirty="0"/>
+              <a:t>Software Testing</a:t>
+            </a:r>
+            <a:endParaRPr lang="en-US" dirty="0"/>
           </a:p>
         </p:txBody>
       </p:sp>
@@ -16926,7 +18013,751 @@
   <p:timing>
     <p:tnLst>
       <p:par>
-        <p:cTn id="1" dur="indefinite" restart="never" nodeType="tmRoot"/>
+        <p:cTn id="1" dur="indefinite" restart="never" nodeType="tmRoot">
+          <p:childTnLst>
+            <p:seq concurrent="1" nextAc="seek">
+              <p:cTn id="2" dur="indefinite" nodeType="mainSeq">
+                <p:childTnLst>
+                  <p:par>
+                    <p:cTn id="3" fill="hold">
+                      <p:stCondLst>
+                        <p:cond delay="indefinite"/>
+                      </p:stCondLst>
+                      <p:childTnLst>
+                        <p:par>
+                          <p:cTn id="4" fill="hold">
+                            <p:stCondLst>
+                              <p:cond delay="0"/>
+                            </p:stCondLst>
+                            <p:childTnLst>
+                              <p:par>
+                                <p:cTn id="5" presetID="2" presetClass="entr" presetSubtype="4" fill="hold" nodeType="clickEffect">
+                                  <p:stCondLst>
+                                    <p:cond delay="0"/>
+                                  </p:stCondLst>
+                                  <p:childTnLst>
+                                    <p:set>
+                                      <p:cBhvr>
+                                        <p:cTn id="6" dur="1" fill="hold">
+                                          <p:stCondLst>
+                                            <p:cond delay="0"/>
+                                          </p:stCondLst>
+                                        </p:cTn>
+                                        <p:tgtEl>
+                                          <p:spTgt spid="3">
+                                            <p:txEl>
+                                              <p:pRg st="0" end="0"/>
+                                            </p:txEl>
+                                          </p:spTgt>
+                                        </p:tgtEl>
+                                        <p:attrNameLst>
+                                          <p:attrName>style.visibility</p:attrName>
+                                        </p:attrNameLst>
+                                      </p:cBhvr>
+                                      <p:to>
+                                        <p:strVal val="visible"/>
+                                      </p:to>
+                                    </p:set>
+                                    <p:anim calcmode="lin" valueType="num">
+                                      <p:cBhvr additive="base">
+                                        <p:cTn id="7" dur="500" fill="hold"/>
+                                        <p:tgtEl>
+                                          <p:spTgt spid="3">
+                                            <p:txEl>
+                                              <p:pRg st="0" end="0"/>
+                                            </p:txEl>
+                                          </p:spTgt>
+                                        </p:tgtEl>
+                                        <p:attrNameLst>
+                                          <p:attrName>ppt_x</p:attrName>
+                                        </p:attrNameLst>
+                                      </p:cBhvr>
+                                      <p:tavLst>
+                                        <p:tav tm="0">
+                                          <p:val>
+                                            <p:strVal val="#ppt_x"/>
+                                          </p:val>
+                                        </p:tav>
+                                        <p:tav tm="100000">
+                                          <p:val>
+                                            <p:strVal val="#ppt_x"/>
+                                          </p:val>
+                                        </p:tav>
+                                      </p:tavLst>
+                                    </p:anim>
+                                    <p:anim calcmode="lin" valueType="num">
+                                      <p:cBhvr additive="base">
+                                        <p:cTn id="8" dur="500" fill="hold"/>
+                                        <p:tgtEl>
+                                          <p:spTgt spid="3">
+                                            <p:txEl>
+                                              <p:pRg st="0" end="0"/>
+                                            </p:txEl>
+                                          </p:spTgt>
+                                        </p:tgtEl>
+                                        <p:attrNameLst>
+                                          <p:attrName>ppt_y</p:attrName>
+                                        </p:attrNameLst>
+                                      </p:cBhvr>
+                                      <p:tavLst>
+                                        <p:tav tm="0">
+                                          <p:val>
+                                            <p:strVal val="1+#ppt_h/2"/>
+                                          </p:val>
+                                        </p:tav>
+                                        <p:tav tm="100000">
+                                          <p:val>
+                                            <p:strVal val="#ppt_y"/>
+                                          </p:val>
+                                        </p:tav>
+                                      </p:tavLst>
+                                    </p:anim>
+                                  </p:childTnLst>
+                                </p:cTn>
+                              </p:par>
+                            </p:childTnLst>
+                          </p:cTn>
+                        </p:par>
+                      </p:childTnLst>
+                    </p:cTn>
+                  </p:par>
+                  <p:par>
+                    <p:cTn id="9" fill="hold">
+                      <p:stCondLst>
+                        <p:cond delay="indefinite"/>
+                      </p:stCondLst>
+                      <p:childTnLst>
+                        <p:par>
+                          <p:cTn id="10" fill="hold">
+                            <p:stCondLst>
+                              <p:cond delay="0"/>
+                            </p:stCondLst>
+                            <p:childTnLst>
+                              <p:par>
+                                <p:cTn id="11" presetID="2" presetClass="entr" presetSubtype="4" fill="hold" nodeType="clickEffect">
+                                  <p:stCondLst>
+                                    <p:cond delay="0"/>
+                                  </p:stCondLst>
+                                  <p:childTnLst>
+                                    <p:set>
+                                      <p:cBhvr>
+                                        <p:cTn id="12" dur="1" fill="hold">
+                                          <p:stCondLst>
+                                            <p:cond delay="0"/>
+                                          </p:stCondLst>
+                                        </p:cTn>
+                                        <p:tgtEl>
+                                          <p:spTgt spid="3">
+                                            <p:txEl>
+                                              <p:pRg st="1" end="1"/>
+                                            </p:txEl>
+                                          </p:spTgt>
+                                        </p:tgtEl>
+                                        <p:attrNameLst>
+                                          <p:attrName>style.visibility</p:attrName>
+                                        </p:attrNameLst>
+                                      </p:cBhvr>
+                                      <p:to>
+                                        <p:strVal val="visible"/>
+                                      </p:to>
+                                    </p:set>
+                                    <p:anim calcmode="lin" valueType="num">
+                                      <p:cBhvr additive="base">
+                                        <p:cTn id="13" dur="500" fill="hold"/>
+                                        <p:tgtEl>
+                                          <p:spTgt spid="3">
+                                            <p:txEl>
+                                              <p:pRg st="1" end="1"/>
+                                            </p:txEl>
+                                          </p:spTgt>
+                                        </p:tgtEl>
+                                        <p:attrNameLst>
+                                          <p:attrName>ppt_x</p:attrName>
+                                        </p:attrNameLst>
+                                      </p:cBhvr>
+                                      <p:tavLst>
+                                        <p:tav tm="0">
+                                          <p:val>
+                                            <p:strVal val="#ppt_x"/>
+                                          </p:val>
+                                        </p:tav>
+                                        <p:tav tm="100000">
+                                          <p:val>
+                                            <p:strVal val="#ppt_x"/>
+                                          </p:val>
+                                        </p:tav>
+                                      </p:tavLst>
+                                    </p:anim>
+                                    <p:anim calcmode="lin" valueType="num">
+                                      <p:cBhvr additive="base">
+                                        <p:cTn id="14" dur="500" fill="hold"/>
+                                        <p:tgtEl>
+                                          <p:spTgt spid="3">
+                                            <p:txEl>
+                                              <p:pRg st="1" end="1"/>
+                                            </p:txEl>
+                                          </p:spTgt>
+                                        </p:tgtEl>
+                                        <p:attrNameLst>
+                                          <p:attrName>ppt_y</p:attrName>
+                                        </p:attrNameLst>
+                                      </p:cBhvr>
+                                      <p:tavLst>
+                                        <p:tav tm="0">
+                                          <p:val>
+                                            <p:strVal val="1+#ppt_h/2"/>
+                                          </p:val>
+                                        </p:tav>
+                                        <p:tav tm="100000">
+                                          <p:val>
+                                            <p:strVal val="#ppt_y"/>
+                                          </p:val>
+                                        </p:tav>
+                                      </p:tavLst>
+                                    </p:anim>
+                                  </p:childTnLst>
+                                </p:cTn>
+                              </p:par>
+                            </p:childTnLst>
+                          </p:cTn>
+                        </p:par>
+                      </p:childTnLst>
+                    </p:cTn>
+                  </p:par>
+                  <p:par>
+                    <p:cTn id="15" fill="hold">
+                      <p:stCondLst>
+                        <p:cond delay="indefinite"/>
+                      </p:stCondLst>
+                      <p:childTnLst>
+                        <p:par>
+                          <p:cTn id="16" fill="hold">
+                            <p:stCondLst>
+                              <p:cond delay="0"/>
+                            </p:stCondLst>
+                            <p:childTnLst>
+                              <p:par>
+                                <p:cTn id="17" presetID="2" presetClass="entr" presetSubtype="4" fill="hold" nodeType="clickEffect">
+                                  <p:stCondLst>
+                                    <p:cond delay="0"/>
+                                  </p:stCondLst>
+                                  <p:childTnLst>
+                                    <p:set>
+                                      <p:cBhvr>
+                                        <p:cTn id="18" dur="1" fill="hold">
+                                          <p:stCondLst>
+                                            <p:cond delay="0"/>
+                                          </p:stCondLst>
+                                        </p:cTn>
+                                        <p:tgtEl>
+                                          <p:spTgt spid="3">
+                                            <p:txEl>
+                                              <p:pRg st="2" end="2"/>
+                                            </p:txEl>
+                                          </p:spTgt>
+                                        </p:tgtEl>
+                                        <p:attrNameLst>
+                                          <p:attrName>style.visibility</p:attrName>
+                                        </p:attrNameLst>
+                                      </p:cBhvr>
+                                      <p:to>
+                                        <p:strVal val="visible"/>
+                                      </p:to>
+                                    </p:set>
+                                    <p:anim calcmode="lin" valueType="num">
+                                      <p:cBhvr additive="base">
+                                        <p:cTn id="19" dur="500" fill="hold"/>
+                                        <p:tgtEl>
+                                          <p:spTgt spid="3">
+                                            <p:txEl>
+                                              <p:pRg st="2" end="2"/>
+                                            </p:txEl>
+                                          </p:spTgt>
+                                        </p:tgtEl>
+                                        <p:attrNameLst>
+                                          <p:attrName>ppt_x</p:attrName>
+                                        </p:attrNameLst>
+                                      </p:cBhvr>
+                                      <p:tavLst>
+                                        <p:tav tm="0">
+                                          <p:val>
+                                            <p:strVal val="#ppt_x"/>
+                                          </p:val>
+                                        </p:tav>
+                                        <p:tav tm="100000">
+                                          <p:val>
+                                            <p:strVal val="#ppt_x"/>
+                                          </p:val>
+                                        </p:tav>
+                                      </p:tavLst>
+                                    </p:anim>
+                                    <p:anim calcmode="lin" valueType="num">
+                                      <p:cBhvr additive="base">
+                                        <p:cTn id="20" dur="500" fill="hold"/>
+                                        <p:tgtEl>
+                                          <p:spTgt spid="3">
+                                            <p:txEl>
+                                              <p:pRg st="2" end="2"/>
+                                            </p:txEl>
+                                          </p:spTgt>
+                                        </p:tgtEl>
+                                        <p:attrNameLst>
+                                          <p:attrName>ppt_y</p:attrName>
+                                        </p:attrNameLst>
+                                      </p:cBhvr>
+                                      <p:tavLst>
+                                        <p:tav tm="0">
+                                          <p:val>
+                                            <p:strVal val="1+#ppt_h/2"/>
+                                          </p:val>
+                                        </p:tav>
+                                        <p:tav tm="100000">
+                                          <p:val>
+                                            <p:strVal val="#ppt_y"/>
+                                          </p:val>
+                                        </p:tav>
+                                      </p:tavLst>
+                                    </p:anim>
+                                  </p:childTnLst>
+                                </p:cTn>
+                              </p:par>
+                            </p:childTnLst>
+                          </p:cTn>
+                        </p:par>
+                      </p:childTnLst>
+                    </p:cTn>
+                  </p:par>
+                  <p:par>
+                    <p:cTn id="21" fill="hold">
+                      <p:stCondLst>
+                        <p:cond delay="indefinite"/>
+                      </p:stCondLst>
+                      <p:childTnLst>
+                        <p:par>
+                          <p:cTn id="22" fill="hold">
+                            <p:stCondLst>
+                              <p:cond delay="0"/>
+                            </p:stCondLst>
+                            <p:childTnLst>
+                              <p:par>
+                                <p:cTn id="23" presetID="2" presetClass="entr" presetSubtype="4" fill="hold" nodeType="clickEffect">
+                                  <p:stCondLst>
+                                    <p:cond delay="0"/>
+                                  </p:stCondLst>
+                                  <p:childTnLst>
+                                    <p:set>
+                                      <p:cBhvr>
+                                        <p:cTn id="24" dur="1" fill="hold">
+                                          <p:stCondLst>
+                                            <p:cond delay="0"/>
+                                          </p:stCondLst>
+                                        </p:cTn>
+                                        <p:tgtEl>
+                                          <p:spTgt spid="3">
+                                            <p:txEl>
+                                              <p:pRg st="3" end="3"/>
+                                            </p:txEl>
+                                          </p:spTgt>
+                                        </p:tgtEl>
+                                        <p:attrNameLst>
+                                          <p:attrName>style.visibility</p:attrName>
+                                        </p:attrNameLst>
+                                      </p:cBhvr>
+                                      <p:to>
+                                        <p:strVal val="visible"/>
+                                      </p:to>
+                                    </p:set>
+                                    <p:anim calcmode="lin" valueType="num">
+                                      <p:cBhvr additive="base">
+                                        <p:cTn id="25" dur="500" fill="hold"/>
+                                        <p:tgtEl>
+                                          <p:spTgt spid="3">
+                                            <p:txEl>
+                                              <p:pRg st="3" end="3"/>
+                                            </p:txEl>
+                                          </p:spTgt>
+                                        </p:tgtEl>
+                                        <p:attrNameLst>
+                                          <p:attrName>ppt_x</p:attrName>
+                                        </p:attrNameLst>
+                                      </p:cBhvr>
+                                      <p:tavLst>
+                                        <p:tav tm="0">
+                                          <p:val>
+                                            <p:strVal val="#ppt_x"/>
+                                          </p:val>
+                                        </p:tav>
+                                        <p:tav tm="100000">
+                                          <p:val>
+                                            <p:strVal val="#ppt_x"/>
+                                          </p:val>
+                                        </p:tav>
+                                      </p:tavLst>
+                                    </p:anim>
+                                    <p:anim calcmode="lin" valueType="num">
+                                      <p:cBhvr additive="base">
+                                        <p:cTn id="26" dur="500" fill="hold"/>
+                                        <p:tgtEl>
+                                          <p:spTgt spid="3">
+                                            <p:txEl>
+                                              <p:pRg st="3" end="3"/>
+                                            </p:txEl>
+                                          </p:spTgt>
+                                        </p:tgtEl>
+                                        <p:attrNameLst>
+                                          <p:attrName>ppt_y</p:attrName>
+                                        </p:attrNameLst>
+                                      </p:cBhvr>
+                                      <p:tavLst>
+                                        <p:tav tm="0">
+                                          <p:val>
+                                            <p:strVal val="1+#ppt_h/2"/>
+                                          </p:val>
+                                        </p:tav>
+                                        <p:tav tm="100000">
+                                          <p:val>
+                                            <p:strVal val="#ppt_y"/>
+                                          </p:val>
+                                        </p:tav>
+                                      </p:tavLst>
+                                    </p:anim>
+                                  </p:childTnLst>
+                                </p:cTn>
+                              </p:par>
+                            </p:childTnLst>
+                          </p:cTn>
+                        </p:par>
+                      </p:childTnLst>
+                    </p:cTn>
+                  </p:par>
+                  <p:par>
+                    <p:cTn id="27" fill="hold">
+                      <p:stCondLst>
+                        <p:cond delay="indefinite"/>
+                      </p:stCondLst>
+                      <p:childTnLst>
+                        <p:par>
+                          <p:cTn id="28" fill="hold">
+                            <p:stCondLst>
+                              <p:cond delay="0"/>
+                            </p:stCondLst>
+                            <p:childTnLst>
+                              <p:par>
+                                <p:cTn id="29" presetID="2" presetClass="entr" presetSubtype="4" fill="hold" nodeType="clickEffect">
+                                  <p:stCondLst>
+                                    <p:cond delay="0"/>
+                                  </p:stCondLst>
+                                  <p:childTnLst>
+                                    <p:set>
+                                      <p:cBhvr>
+                                        <p:cTn id="30" dur="1" fill="hold">
+                                          <p:stCondLst>
+                                            <p:cond delay="0"/>
+                                          </p:stCondLst>
+                                        </p:cTn>
+                                        <p:tgtEl>
+                                          <p:spTgt spid="3">
+                                            <p:txEl>
+                                              <p:pRg st="4" end="4"/>
+                                            </p:txEl>
+                                          </p:spTgt>
+                                        </p:tgtEl>
+                                        <p:attrNameLst>
+                                          <p:attrName>style.visibility</p:attrName>
+                                        </p:attrNameLst>
+                                      </p:cBhvr>
+                                      <p:to>
+                                        <p:strVal val="visible"/>
+                                      </p:to>
+                                    </p:set>
+                                    <p:anim calcmode="lin" valueType="num">
+                                      <p:cBhvr additive="base">
+                                        <p:cTn id="31" dur="500" fill="hold"/>
+                                        <p:tgtEl>
+                                          <p:spTgt spid="3">
+                                            <p:txEl>
+                                              <p:pRg st="4" end="4"/>
+                                            </p:txEl>
+                                          </p:spTgt>
+                                        </p:tgtEl>
+                                        <p:attrNameLst>
+                                          <p:attrName>ppt_x</p:attrName>
+                                        </p:attrNameLst>
+                                      </p:cBhvr>
+                                      <p:tavLst>
+                                        <p:tav tm="0">
+                                          <p:val>
+                                            <p:strVal val="#ppt_x"/>
+                                          </p:val>
+                                        </p:tav>
+                                        <p:tav tm="100000">
+                                          <p:val>
+                                            <p:strVal val="#ppt_x"/>
+                                          </p:val>
+                                        </p:tav>
+                                      </p:tavLst>
+                                    </p:anim>
+                                    <p:anim calcmode="lin" valueType="num">
+                                      <p:cBhvr additive="base">
+                                        <p:cTn id="32" dur="500" fill="hold"/>
+                                        <p:tgtEl>
+                                          <p:spTgt spid="3">
+                                            <p:txEl>
+                                              <p:pRg st="4" end="4"/>
+                                            </p:txEl>
+                                          </p:spTgt>
+                                        </p:tgtEl>
+                                        <p:attrNameLst>
+                                          <p:attrName>ppt_y</p:attrName>
+                                        </p:attrNameLst>
+                                      </p:cBhvr>
+                                      <p:tavLst>
+                                        <p:tav tm="0">
+                                          <p:val>
+                                            <p:strVal val="1+#ppt_h/2"/>
+                                          </p:val>
+                                        </p:tav>
+                                        <p:tav tm="100000">
+                                          <p:val>
+                                            <p:strVal val="#ppt_y"/>
+                                          </p:val>
+                                        </p:tav>
+                                      </p:tavLst>
+                                    </p:anim>
+                                  </p:childTnLst>
+                                </p:cTn>
+                              </p:par>
+                            </p:childTnLst>
+                          </p:cTn>
+                        </p:par>
+                      </p:childTnLst>
+                    </p:cTn>
+                  </p:par>
+                  <p:par>
+                    <p:cTn id="33" fill="hold">
+                      <p:stCondLst>
+                        <p:cond delay="indefinite"/>
+                      </p:stCondLst>
+                      <p:childTnLst>
+                        <p:par>
+                          <p:cTn id="34" fill="hold">
+                            <p:stCondLst>
+                              <p:cond delay="0"/>
+                            </p:stCondLst>
+                            <p:childTnLst>
+                              <p:par>
+                                <p:cTn id="35" presetID="2" presetClass="entr" presetSubtype="4" fill="hold" nodeType="clickEffect">
+                                  <p:stCondLst>
+                                    <p:cond delay="0"/>
+                                  </p:stCondLst>
+                                  <p:childTnLst>
+                                    <p:set>
+                                      <p:cBhvr>
+                                        <p:cTn id="36" dur="1" fill="hold">
+                                          <p:stCondLst>
+                                            <p:cond delay="0"/>
+                                          </p:stCondLst>
+                                        </p:cTn>
+                                        <p:tgtEl>
+                                          <p:spTgt spid="3">
+                                            <p:txEl>
+                                              <p:pRg st="5" end="5"/>
+                                            </p:txEl>
+                                          </p:spTgt>
+                                        </p:tgtEl>
+                                        <p:attrNameLst>
+                                          <p:attrName>style.visibility</p:attrName>
+                                        </p:attrNameLst>
+                                      </p:cBhvr>
+                                      <p:to>
+                                        <p:strVal val="visible"/>
+                                      </p:to>
+                                    </p:set>
+                                    <p:anim calcmode="lin" valueType="num">
+                                      <p:cBhvr additive="base">
+                                        <p:cTn id="37" dur="500" fill="hold"/>
+                                        <p:tgtEl>
+                                          <p:spTgt spid="3">
+                                            <p:txEl>
+                                              <p:pRg st="5" end="5"/>
+                                            </p:txEl>
+                                          </p:spTgt>
+                                        </p:tgtEl>
+                                        <p:attrNameLst>
+                                          <p:attrName>ppt_x</p:attrName>
+                                        </p:attrNameLst>
+                                      </p:cBhvr>
+                                      <p:tavLst>
+                                        <p:tav tm="0">
+                                          <p:val>
+                                            <p:strVal val="#ppt_x"/>
+                                          </p:val>
+                                        </p:tav>
+                                        <p:tav tm="100000">
+                                          <p:val>
+                                            <p:strVal val="#ppt_x"/>
+                                          </p:val>
+                                        </p:tav>
+                                      </p:tavLst>
+                                    </p:anim>
+                                    <p:anim calcmode="lin" valueType="num">
+                                      <p:cBhvr additive="base">
+                                        <p:cTn id="38" dur="500" fill="hold"/>
+                                        <p:tgtEl>
+                                          <p:spTgt spid="3">
+                                            <p:txEl>
+                                              <p:pRg st="5" end="5"/>
+                                            </p:txEl>
+                                          </p:spTgt>
+                                        </p:tgtEl>
+                                        <p:attrNameLst>
+                                          <p:attrName>ppt_y</p:attrName>
+                                        </p:attrNameLst>
+                                      </p:cBhvr>
+                                      <p:tavLst>
+                                        <p:tav tm="0">
+                                          <p:val>
+                                            <p:strVal val="1+#ppt_h/2"/>
+                                          </p:val>
+                                        </p:tav>
+                                        <p:tav tm="100000">
+                                          <p:val>
+                                            <p:strVal val="#ppt_y"/>
+                                          </p:val>
+                                        </p:tav>
+                                      </p:tavLst>
+                                    </p:anim>
+                                  </p:childTnLst>
+                                </p:cTn>
+                              </p:par>
+                            </p:childTnLst>
+                          </p:cTn>
+                        </p:par>
+                      </p:childTnLst>
+                    </p:cTn>
+                  </p:par>
+                  <p:par>
+                    <p:cTn id="39" fill="hold">
+                      <p:stCondLst>
+                        <p:cond delay="indefinite"/>
+                      </p:stCondLst>
+                      <p:childTnLst>
+                        <p:par>
+                          <p:cTn id="40" fill="hold">
+                            <p:stCondLst>
+                              <p:cond delay="0"/>
+                            </p:stCondLst>
+                            <p:childTnLst>
+                              <p:par>
+                                <p:cTn id="41" presetID="2" presetClass="entr" presetSubtype="4" fill="hold" nodeType="clickEffect">
+                                  <p:stCondLst>
+                                    <p:cond delay="0"/>
+                                  </p:stCondLst>
+                                  <p:childTnLst>
+                                    <p:set>
+                                      <p:cBhvr>
+                                        <p:cTn id="42" dur="1" fill="hold">
+                                          <p:stCondLst>
+                                            <p:cond delay="0"/>
+                                          </p:stCondLst>
+                                        </p:cTn>
+                                        <p:tgtEl>
+                                          <p:spTgt spid="3">
+                                            <p:txEl>
+                                              <p:pRg st="6" end="6"/>
+                                            </p:txEl>
+                                          </p:spTgt>
+                                        </p:tgtEl>
+                                        <p:attrNameLst>
+                                          <p:attrName>style.visibility</p:attrName>
+                                        </p:attrNameLst>
+                                      </p:cBhvr>
+                                      <p:to>
+                                        <p:strVal val="visible"/>
+                                      </p:to>
+                                    </p:set>
+                                    <p:anim calcmode="lin" valueType="num">
+                                      <p:cBhvr additive="base">
+                                        <p:cTn id="43" dur="500" fill="hold"/>
+                                        <p:tgtEl>
+                                          <p:spTgt spid="3">
+                                            <p:txEl>
+                                              <p:pRg st="6" end="6"/>
+                                            </p:txEl>
+                                          </p:spTgt>
+                                        </p:tgtEl>
+                                        <p:attrNameLst>
+                                          <p:attrName>ppt_x</p:attrName>
+                                        </p:attrNameLst>
+                                      </p:cBhvr>
+                                      <p:tavLst>
+                                        <p:tav tm="0">
+                                          <p:val>
+                                            <p:strVal val="#ppt_x"/>
+                                          </p:val>
+                                        </p:tav>
+                                        <p:tav tm="100000">
+                                          <p:val>
+                                            <p:strVal val="#ppt_x"/>
+                                          </p:val>
+                                        </p:tav>
+                                      </p:tavLst>
+                                    </p:anim>
+                                    <p:anim calcmode="lin" valueType="num">
+                                      <p:cBhvr additive="base">
+                                        <p:cTn id="44" dur="500" fill="hold"/>
+                                        <p:tgtEl>
+                                          <p:spTgt spid="3">
+                                            <p:txEl>
+                                              <p:pRg st="6" end="6"/>
+                                            </p:txEl>
+                                          </p:spTgt>
+                                        </p:tgtEl>
+                                        <p:attrNameLst>
+                                          <p:attrName>ppt_y</p:attrName>
+                                        </p:attrNameLst>
+                                      </p:cBhvr>
+                                      <p:tavLst>
+                                        <p:tav tm="0">
+                                          <p:val>
+                                            <p:strVal val="1+#ppt_h/2"/>
+                                          </p:val>
+                                        </p:tav>
+                                        <p:tav tm="100000">
+                                          <p:val>
+                                            <p:strVal val="#ppt_y"/>
+                                          </p:val>
+                                        </p:tav>
+                                      </p:tavLst>
+                                    </p:anim>
+                                  </p:childTnLst>
+                                </p:cTn>
+                              </p:par>
+                            </p:childTnLst>
+                          </p:cTn>
+                        </p:par>
+                      </p:childTnLst>
+                    </p:cTn>
+                  </p:par>
+                </p:childTnLst>
+              </p:cTn>
+              <p:prevCondLst>
+                <p:cond evt="onPrev" delay="0">
+                  <p:tgtEl>
+                    <p:sldTgt/>
+                  </p:tgtEl>
+                </p:cond>
+              </p:prevCondLst>
+              <p:nextCondLst>
+                <p:cond evt="onNext" delay="0">
+                  <p:tgtEl>
+                    <p:sldTgt/>
+                  </p:tgtEl>
+                </p:cond>
+              </p:nextCondLst>
+            </p:seq>
+          </p:childTnLst>
+        </p:cTn>
       </p:par>
     </p:tnLst>
   </p:timing>
